--- a/images/architecture-openapi.pptx
+++ b/images/architecture-openapi.pptx
@@ -3069,7 +3069,7 @@
             </a:spcAft>
             <a:buNone/>
           </a:pPr>
-          <a:endParaRPr lang="en-US" sz="2100" kern="1200"/>
+          <a:endParaRPr lang="en-US" sz="2100" kern="1200" dirty="0"/>
         </a:p>
       </dsp:txBody>
       <dsp:txXfrm>
@@ -6732,7 +6732,7 @@
           <a:p>
             <a:fld id="{E634F0D4-E015-4F4B-8B75-37EF721F9C3B}" type="datetimeFigureOut">
               <a:rPr lang="en-US" smtClean="0"/>
-              <a:t>11/30/20</a:t>
+              <a:t>2/15/21</a:t>
             </a:fld>
             <a:endParaRPr lang="en-US"/>
           </a:p>
@@ -6900,7 +6900,7 @@
           <a:p>
             <a:fld id="{E634F0D4-E015-4F4B-8B75-37EF721F9C3B}" type="datetimeFigureOut">
               <a:rPr lang="en-US" smtClean="0"/>
-              <a:t>11/30/20</a:t>
+              <a:t>2/15/21</a:t>
             </a:fld>
             <a:endParaRPr lang="en-US"/>
           </a:p>
@@ -7078,7 +7078,7 @@
           <a:p>
             <a:fld id="{E634F0D4-E015-4F4B-8B75-37EF721F9C3B}" type="datetimeFigureOut">
               <a:rPr lang="en-US" smtClean="0"/>
-              <a:t>11/30/20</a:t>
+              <a:t>2/15/21</a:t>
             </a:fld>
             <a:endParaRPr lang="en-US"/>
           </a:p>
@@ -7246,7 +7246,7 @@
           <a:p>
             <a:fld id="{E634F0D4-E015-4F4B-8B75-37EF721F9C3B}" type="datetimeFigureOut">
               <a:rPr lang="en-US" smtClean="0"/>
-              <a:t>11/30/20</a:t>
+              <a:t>2/15/21</a:t>
             </a:fld>
             <a:endParaRPr lang="en-US"/>
           </a:p>
@@ -7491,7 +7491,7 @@
           <a:p>
             <a:fld id="{E634F0D4-E015-4F4B-8B75-37EF721F9C3B}" type="datetimeFigureOut">
               <a:rPr lang="en-US" smtClean="0"/>
-              <a:t>11/30/20</a:t>
+              <a:t>2/15/21</a:t>
             </a:fld>
             <a:endParaRPr lang="en-US"/>
           </a:p>
@@ -7720,7 +7720,7 @@
           <a:p>
             <a:fld id="{E634F0D4-E015-4F4B-8B75-37EF721F9C3B}" type="datetimeFigureOut">
               <a:rPr lang="en-US" smtClean="0"/>
-              <a:t>11/30/20</a:t>
+              <a:t>2/15/21</a:t>
             </a:fld>
             <a:endParaRPr lang="en-US"/>
           </a:p>
@@ -8084,7 +8084,7 @@
           <a:p>
             <a:fld id="{E634F0D4-E015-4F4B-8B75-37EF721F9C3B}" type="datetimeFigureOut">
               <a:rPr lang="en-US" smtClean="0"/>
-              <a:t>11/30/20</a:t>
+              <a:t>2/15/21</a:t>
             </a:fld>
             <a:endParaRPr lang="en-US"/>
           </a:p>
@@ -8201,7 +8201,7 @@
           <a:p>
             <a:fld id="{E634F0D4-E015-4F4B-8B75-37EF721F9C3B}" type="datetimeFigureOut">
               <a:rPr lang="en-US" smtClean="0"/>
-              <a:t>11/30/20</a:t>
+              <a:t>2/15/21</a:t>
             </a:fld>
             <a:endParaRPr lang="en-US"/>
           </a:p>
@@ -8296,7 +8296,7 @@
           <a:p>
             <a:fld id="{E634F0D4-E015-4F4B-8B75-37EF721F9C3B}" type="datetimeFigureOut">
               <a:rPr lang="en-US" smtClean="0"/>
-              <a:t>11/30/20</a:t>
+              <a:t>2/15/21</a:t>
             </a:fld>
             <a:endParaRPr lang="en-US"/>
           </a:p>
@@ -8571,7 +8571,7 @@
           <a:p>
             <a:fld id="{E634F0D4-E015-4F4B-8B75-37EF721F9C3B}" type="datetimeFigureOut">
               <a:rPr lang="en-US" smtClean="0"/>
-              <a:t>11/30/20</a:t>
+              <a:t>2/15/21</a:t>
             </a:fld>
             <a:endParaRPr lang="en-US"/>
           </a:p>
@@ -8823,7 +8823,7 @@
           <a:p>
             <a:fld id="{E634F0D4-E015-4F4B-8B75-37EF721F9C3B}" type="datetimeFigureOut">
               <a:rPr lang="en-US" smtClean="0"/>
-              <a:t>11/30/20</a:t>
+              <a:t>2/15/21</a:t>
             </a:fld>
             <a:endParaRPr lang="en-US"/>
           </a:p>
@@ -9034,7 +9034,7 @@
           <a:p>
             <a:fld id="{E634F0D4-E015-4F4B-8B75-37EF721F9C3B}" type="datetimeFigureOut">
               <a:rPr lang="en-US" smtClean="0"/>
-              <a:t>11/30/20</a:t>
+              <a:t>2/15/21</a:t>
             </a:fld>
             <a:endParaRPr lang="en-US"/>
           </a:p>
@@ -9490,12 +9490,20 @@
           <a:lstStyle/>
           <a:p>
             <a:r>
+              <a:rPr lang="en-US">
+                <a:solidFill>
+                  <a:schemeClr val="tx1"/>
+                </a:solidFill>
+              </a:rPr>
+              <a:t>GAS Cloud </a:t>
+            </a:r>
+            <a:r>
               <a:rPr lang="en-US" dirty="0">
                 <a:solidFill>
                   <a:schemeClr val="tx1"/>
                 </a:solidFill>
               </a:rPr>
-              <a:t>Cloud Hosted Virtual Machine</a:t>
+              <a:t>Hosted Virtual Machine</a:t>
             </a:r>
           </a:p>
           <a:p>
@@ -9558,20 +9566,12 @@
           <a:lstStyle/>
           <a:p>
             <a:r>
-              <a:rPr lang="en-US" dirty="0" err="1">
-                <a:solidFill>
-                  <a:schemeClr val="tx1"/>
-                </a:solidFill>
-              </a:rPr>
-              <a:t>Cloudmesh</a:t>
-            </a:r>
-            <a:r>
               <a:rPr lang="en-US" dirty="0">
                 <a:solidFill>
                   <a:schemeClr val="tx1"/>
                 </a:solidFill>
               </a:rPr>
-              <a:t> </a:t>
+              <a:t>GAS </a:t>
             </a:r>
             <a:r>
               <a:rPr lang="en-US" dirty="0" err="1">
@@ -9581,11 +9581,14 @@
               </a:rPr>
               <a:t>OpenAPI</a:t>
             </a:r>
-            <a:endParaRPr lang="en-US" dirty="0">
-              <a:solidFill>
-                <a:schemeClr val="tx1"/>
-              </a:solidFill>
-            </a:endParaRPr>
+            <a:r>
+              <a:rPr lang="en-US" dirty="0">
+                <a:solidFill>
+                  <a:schemeClr val="tx1"/>
+                </a:solidFill>
+              </a:rPr>
+              <a:t> AI Service </a:t>
+            </a:r>
           </a:p>
         </p:txBody>
       </p:sp>
@@ -9596,7 +9599,7 @@
           <p:nvPr>
             <p:extLst>
               <p:ext uri="{D42A27DB-BD31-4B8C-83A1-F6EECF244321}">
-                <p14:modId xmlns:p14="http://schemas.microsoft.com/office/powerpoint/2010/main" val="2401374800"/>
+                <p14:modId xmlns:p14="http://schemas.microsoft.com/office/powerpoint/2010/main" val="2871891226"/>
               </p:ext>
             </p:extLst>
           </p:nvPr>
